--- a/team5.pptx
+++ b/team5.pptx
@@ -7504,14 +7504,8 @@
           <a:bodyPr anchor="t"/>
           <a:lstStyle/>
           <a:p>
-            <a:pPr marL="0" indent="0">
-              <a:buNone/>
-            </a:pPr>
-            <a:endParaRPr lang="en-US" dirty="0"/>
-          </a:p>
-          <a:p>
-            <a:r>
-              <a:rPr lang="en-US" sz="2800" dirty="0" smtClean="0"/>
+            <a:r>
+              <a:rPr lang="en-US" sz="2800" smtClean="0"/>
               <a:t>Html5/</a:t>
             </a:r>
             <a:r>
@@ -7535,6 +7529,12 @@
             <a:r>
               <a:rPr lang="en-US" sz="2800" dirty="0" smtClean="0"/>
               <a:t> back-end </a:t>
+            </a:r>
+          </a:p>
+          <a:p>
+            <a:r>
+              <a:rPr lang="en-US" sz="2800" dirty="0" smtClean="0"/>
+              <a:t>Google Maps API</a:t>
             </a:r>
             <a:endParaRPr lang="en-US" sz="2800" dirty="0"/>
           </a:p>
